--- a/Offensive Security Tactics for Linux Professionals - Linux Restricted Shell Escapes.pptx
+++ b/Offensive Security Tactics for Linux Professionals - Linux Restricted Shell Escapes.pptx
@@ -5,7 +5,7 @@
     <p:sldMasterId id="2147483686" r:id="rId1"/>
   </p:sldMasterIdLst>
   <p:notesMasterIdLst>
-    <p:notesMasterId r:id="rId18"/>
+    <p:notesMasterId r:id="rId17"/>
   </p:notesMasterIdLst>
   <p:sldIdLst>
     <p:sldId id="256" r:id="rId2"/>
@@ -19,11 +19,10 @@
     <p:sldId id="269" r:id="rId10"/>
     <p:sldId id="268" r:id="rId11"/>
     <p:sldId id="267" r:id="rId12"/>
-    <p:sldId id="270" r:id="rId13"/>
-    <p:sldId id="271" r:id="rId14"/>
-    <p:sldId id="273" r:id="rId15"/>
-    <p:sldId id="272" r:id="rId16"/>
-    <p:sldId id="260" r:id="rId17"/>
+    <p:sldId id="271" r:id="rId13"/>
+    <p:sldId id="272" r:id="rId14"/>
+    <p:sldId id="260" r:id="rId15"/>
+    <p:sldId id="274" r:id="rId16"/>
   </p:sldIdLst>
   <p:sldSz cx="12192000" cy="6858000"/>
   <p:notesSz cx="6858000" cy="9144000"/>
@@ -526,34 +525,8 @@
           <a:p>
             <a:r>
               <a:rPr lang="en-GB" dirty="0"/>
-              <a:t>A general overview of some bypass techniques which will be covered. Starting with text editors such as Vi/Vim, moving onto system binaries such as find, AWK, ftp, </a:t>
-            </a:r>
-            <a:r>
-              <a:rPr lang="en-GB" dirty="0" err="1"/>
-              <a:t>gdb</a:t>
-            </a:r>
-            <a:r>
-              <a:rPr lang="en-GB" dirty="0"/>
-              <a:t> and programming languages available within the restricted environment.</a:t>
-            </a:r>
-          </a:p>
-          <a:p>
-            <a:endParaRPr lang="en-GB" dirty="0"/>
-          </a:p>
-          <a:p>
-            <a:r>
-              <a:rPr lang="en-GB" dirty="0"/>
-              <a:t>SSH itself. Generally you will be accessing a black box technology which is only accessible via SSH or other open ports with the intent to keep you locked out of the system. However there are techniques which can be used in order to gain shell access to such systems with SSH as the access vector if all other binaries are not available for a potential </a:t>
-            </a:r>
-            <a:r>
-              <a:rPr lang="en-GB" err="1"/>
-              <a:t>rbash</a:t>
-            </a:r>
-            <a:r>
-              <a:rPr lang="en-GB"/>
-              <a:t> escape.</a:t>
-            </a:r>
-            <a:endParaRPr lang="en-GB" dirty="0"/>
+              <a:t>So let’s start off by discussing what are restricted shells? Restricted shells are sandboxed environments which are designed to restrict the usual working shell capabilities of a Linux system. In other words it’s just like a normal bash shell but you’re restricted in terms of how you work with it. </a:t>
+            </a:r>
           </a:p>
         </p:txBody>
       </p:sp>
@@ -574,7 +547,7 @@
           <a:p>
             <a:fld id="{72F69CCC-2D01-4A86-A9A5-5CB8861A15B1}" type="slidenum">
               <a:rPr lang="en-GB" smtClean="0"/>
-              <a:t>4</a:t>
+              <a:t>2</a:t>
             </a:fld>
             <a:endParaRPr lang="en-GB"/>
           </a:p>
@@ -583,7 +556,7 @@
     </p:spTree>
     <p:extLst>
       <p:ext uri="{BB962C8B-B14F-4D97-AF65-F5344CB8AC3E}">
-        <p14:creationId xmlns:p14="http://schemas.microsoft.com/office/powerpoint/2010/main" val="3595858397"/>
+        <p14:creationId xmlns:p14="http://schemas.microsoft.com/office/powerpoint/2010/main" val="1521218355"/>
       </p:ext>
     </p:extLst>
   </p:cSld>
@@ -637,7 +610,60 @@
           <a:bodyPr/>
           <a:lstStyle/>
           <a:p>
+            <a:r>
+              <a:rPr lang="en-GB" dirty="0"/>
+              <a:t>A general overview of some bypass techniques which will be covered. Starting with text editors such as Vi/Vim, moving onto system binaries such as find, AWK, ftp, </a:t>
+            </a:r>
+            <a:r>
+              <a:rPr lang="en-GB" dirty="0" err="1"/>
+              <a:t>gdb</a:t>
+            </a:r>
+            <a:r>
+              <a:rPr lang="en-GB" dirty="0"/>
+              <a:t> and programming languages available within the restricted environment.</a:t>
+            </a:r>
+          </a:p>
+          <a:p>
             <a:endParaRPr lang="en-GB" dirty="0"/>
+          </a:p>
+          <a:p>
+            <a:r>
+              <a:rPr lang="en-GB" dirty="0"/>
+              <a:t>Binaries such as find, ftp, </a:t>
+            </a:r>
+            <a:r>
+              <a:rPr lang="en-GB" dirty="0" err="1"/>
+              <a:t>gdb</a:t>
+            </a:r>
+            <a:r>
+              <a:rPr lang="en-GB" dirty="0"/>
+              <a:t> have capabilities to interact with the local system which can help us to access Linux shells which are otherwise inaccessible in an </a:t>
+            </a:r>
+            <a:r>
+              <a:rPr lang="en-GB" dirty="0" err="1"/>
+              <a:t>rbash</a:t>
+            </a:r>
+            <a:r>
+              <a:rPr lang="en-GB" dirty="0"/>
+              <a:t> environment,. </a:t>
+            </a:r>
+          </a:p>
+          <a:p>
+            <a:endParaRPr lang="en-GB" dirty="0"/>
+          </a:p>
+          <a:p>
+            <a:r>
+              <a:rPr lang="en-GB" dirty="0"/>
+              <a:t>SSH itself. Generally you will be accessing a black box technology which is only accessible via SSH or other open ports with the intent to keep you locked out of the system. However there are techniques which can be used in order to gain shell access to such systems with SSH as the access vector if all other binaries are not available for a potential </a:t>
+            </a:r>
+            <a:r>
+              <a:rPr lang="en-GB" dirty="0" err="1"/>
+              <a:t>rbash</a:t>
+            </a:r>
+            <a:r>
+              <a:rPr lang="en-GB" dirty="0"/>
+              <a:t> escape.</a:t>
+            </a:r>
           </a:p>
         </p:txBody>
       </p:sp>
@@ -658,7 +684,7 @@
           <a:p>
             <a:fld id="{72F69CCC-2D01-4A86-A9A5-5CB8861A15B1}" type="slidenum">
               <a:rPr lang="en-GB" smtClean="0"/>
-              <a:t>6</a:t>
+              <a:t>4</a:t>
             </a:fld>
             <a:endParaRPr lang="en-GB"/>
           </a:p>
@@ -667,7 +693,7 @@
     </p:spTree>
     <p:extLst>
       <p:ext uri="{BB962C8B-B14F-4D97-AF65-F5344CB8AC3E}">
-        <p14:creationId xmlns:p14="http://schemas.microsoft.com/office/powerpoint/2010/main" val="220162281"/>
+        <p14:creationId xmlns:p14="http://schemas.microsoft.com/office/powerpoint/2010/main" val="3595858397"/>
       </p:ext>
     </p:extLst>
   </p:cSld>
@@ -742,7 +768,7 @@
           <a:p>
             <a:fld id="{72F69CCC-2D01-4A86-A9A5-5CB8861A15B1}" type="slidenum">
               <a:rPr lang="en-GB" smtClean="0"/>
-              <a:t>13</a:t>
+              <a:t>6</a:t>
             </a:fld>
             <a:endParaRPr lang="en-GB"/>
           </a:p>
@@ -751,7 +777,7 @@
     </p:spTree>
     <p:extLst>
       <p:ext uri="{BB962C8B-B14F-4D97-AF65-F5344CB8AC3E}">
-        <p14:creationId xmlns:p14="http://schemas.microsoft.com/office/powerpoint/2010/main" val="114659960"/>
+        <p14:creationId xmlns:p14="http://schemas.microsoft.com/office/powerpoint/2010/main" val="220162281"/>
       </p:ext>
     </p:extLst>
   </p:cSld>
@@ -805,7 +831,10 @@
           <a:bodyPr/>
           <a:lstStyle/>
           <a:p>
-            <a:endParaRPr lang="en-GB" dirty="0"/>
+            <a:r>
+              <a:rPr lang="en-GB" dirty="0"/>
+              <a:t>As seen here we are in an environment where using forward slashes are not allowed. We also can’t change directory out of the directory we’re currently in so we are restricted.</a:t>
+            </a:r>
           </a:p>
         </p:txBody>
       </p:sp>
@@ -826,7 +855,7 @@
           <a:p>
             <a:fld id="{72F69CCC-2D01-4A86-A9A5-5CB8861A15B1}" type="slidenum">
               <a:rPr lang="en-GB" smtClean="0"/>
-              <a:t>14</a:t>
+              <a:t>8</a:t>
             </a:fld>
             <a:endParaRPr lang="en-GB"/>
           </a:p>
@@ -835,7 +864,7 @@
     </p:spTree>
     <p:extLst>
       <p:ext uri="{BB962C8B-B14F-4D97-AF65-F5344CB8AC3E}">
-        <p14:creationId xmlns:p14="http://schemas.microsoft.com/office/powerpoint/2010/main" val="2718239835"/>
+        <p14:creationId xmlns:p14="http://schemas.microsoft.com/office/powerpoint/2010/main" val="1302413826"/>
       </p:ext>
     </p:extLst>
   </p:cSld>
@@ -889,7 +918,18 @@
           <a:bodyPr/>
           <a:lstStyle/>
           <a:p>
-            <a:endParaRPr lang="en-GB" dirty="0"/>
+            <a:r>
+              <a:rPr lang="en-GB" dirty="0"/>
+              <a:t>We can make use of ls to list files and see what is interesting to write to. As long as we have permissions to write to the file/directory we should be able to use the HISTFILE variable to our advantage. In this case we can see the authorized keys file which can be listed however you are not able to write to it due to </a:t>
+            </a:r>
+            <a:r>
+              <a:rPr lang="en-GB" dirty="0" err="1"/>
+              <a:t>rbash</a:t>
+            </a:r>
+            <a:r>
+              <a:rPr lang="en-GB" dirty="0"/>
+              <a:t> preventing output. How to bypass this?</a:t>
+            </a:r>
           </a:p>
         </p:txBody>
       </p:sp>
@@ -910,7 +950,91 @@
           <a:p>
             <a:fld id="{72F69CCC-2D01-4A86-A9A5-5CB8861A15B1}" type="slidenum">
               <a:rPr lang="en-GB" smtClean="0"/>
-              <a:t>15</a:t>
+              <a:t>12</a:t>
+            </a:fld>
+            <a:endParaRPr lang="en-GB"/>
+          </a:p>
+        </p:txBody>
+      </p:sp>
+    </p:spTree>
+    <p:extLst>
+      <p:ext uri="{BB962C8B-B14F-4D97-AF65-F5344CB8AC3E}">
+        <p14:creationId xmlns:p14="http://schemas.microsoft.com/office/powerpoint/2010/main" val="114659960"/>
+      </p:ext>
+    </p:extLst>
+  </p:cSld>
+  <p:clrMapOvr>
+    <a:masterClrMapping/>
+  </p:clrMapOvr>
+</p:notes>
+</file>
+
+<file path=ppt/notesSlides/notesSlide6.xml><?xml version="1.0" encoding="utf-8"?>
+<p:notes xmlns:a="http://schemas.openxmlformats.org/drawingml/2006/main" xmlns:r="http://schemas.openxmlformats.org/officeDocument/2006/relationships" xmlns:p="http://schemas.openxmlformats.org/presentationml/2006/main">
+  <p:cSld>
+    <p:spTree>
+      <p:nvGrpSpPr>
+        <p:cNvPr id="1" name=""/>
+        <p:cNvGrpSpPr/>
+        <p:nvPr/>
+      </p:nvGrpSpPr>
+      <p:grpSpPr>
+        <a:xfrm>
+          <a:off x="0" y="0"/>
+          <a:ext cx="0" cy="0"/>
+          <a:chOff x="0" y="0"/>
+          <a:chExt cx="0" cy="0"/>
+        </a:xfrm>
+      </p:grpSpPr>
+      <p:sp>
+        <p:nvSpPr>
+          <p:cNvPr id="2" name="Slide Image Placeholder 1"/>
+          <p:cNvSpPr>
+            <a:spLocks noGrp="1" noRot="1" noChangeAspect="1"/>
+          </p:cNvSpPr>
+          <p:nvPr>
+            <p:ph type="sldImg"/>
+          </p:nvPr>
+        </p:nvSpPr>
+        <p:spPr/>
+      </p:sp>
+      <p:sp>
+        <p:nvSpPr>
+          <p:cNvPr id="3" name="Notes Placeholder 2"/>
+          <p:cNvSpPr>
+            <a:spLocks noGrp="1"/>
+          </p:cNvSpPr>
+          <p:nvPr>
+            <p:ph type="body" idx="1"/>
+          </p:nvPr>
+        </p:nvSpPr>
+        <p:spPr/>
+        <p:txBody>
+          <a:bodyPr/>
+          <a:lstStyle/>
+          <a:p>
+            <a:endParaRPr lang="en-GB" dirty="0"/>
+          </a:p>
+        </p:txBody>
+      </p:sp>
+      <p:sp>
+        <p:nvSpPr>
+          <p:cNvPr id="4" name="Slide Number Placeholder 3"/>
+          <p:cNvSpPr>
+            <a:spLocks noGrp="1"/>
+          </p:cNvSpPr>
+          <p:nvPr>
+            <p:ph type="sldNum" sz="quarter" idx="5"/>
+          </p:nvPr>
+        </p:nvSpPr>
+        <p:spPr/>
+        <p:txBody>
+          <a:bodyPr/>
+          <a:lstStyle/>
+          <a:p>
+            <a:fld id="{72F69CCC-2D01-4A86-A9A5-5CB8861A15B1}" type="slidenum">
+              <a:rPr lang="en-GB" smtClean="0"/>
+              <a:t>13</a:t>
             </a:fld>
             <a:endParaRPr lang="en-GB"/>
           </a:p>
@@ -4907,122 +5031,6 @@
           <p:cNvPr id="2" name="Title 1">
             <a:extLst>
               <a:ext uri="{FF2B5EF4-FFF2-40B4-BE49-F238E27FC236}">
-                <a16:creationId xmlns:a16="http://schemas.microsoft.com/office/drawing/2014/main" id="{64563F68-E0C9-4AB4-BE9D-D0C7029C5FED}"/>
-              </a:ext>
-            </a:extLst>
-          </p:cNvPr>
-          <p:cNvSpPr>
-            <a:spLocks noGrp="1"/>
-          </p:cNvSpPr>
-          <p:nvPr>
-            <p:ph type="title"/>
-          </p:nvPr>
-        </p:nvSpPr>
-        <p:spPr/>
-        <p:txBody>
-          <a:bodyPr/>
-          <a:lstStyle/>
-          <a:p>
-            <a:pPr algn="ctr"/>
-            <a:r>
-              <a:rPr lang="en-GB" dirty="0" err="1"/>
-              <a:t>histfile</a:t>
-            </a:r>
-            <a:endParaRPr lang="en-GB" dirty="0"/>
-          </a:p>
-        </p:txBody>
-      </p:sp>
-      <p:sp>
-        <p:nvSpPr>
-          <p:cNvPr id="3" name="Content Placeholder 2">
-            <a:extLst>
-              <a:ext uri="{FF2B5EF4-FFF2-40B4-BE49-F238E27FC236}">
-                <a16:creationId xmlns:a16="http://schemas.microsoft.com/office/drawing/2014/main" id="{09EB1BD2-8863-48E3-A468-CA0AC9ACCA02}"/>
-              </a:ext>
-            </a:extLst>
-          </p:cNvPr>
-          <p:cNvSpPr>
-            <a:spLocks noGrp="1"/>
-          </p:cNvSpPr>
-          <p:nvPr>
-            <p:ph idx="1"/>
-          </p:nvPr>
-        </p:nvSpPr>
-        <p:spPr/>
-        <p:txBody>
-          <a:bodyPr>
-            <a:normAutofit fontScale="92500" lnSpcReduction="10000"/>
-          </a:bodyPr>
-          <a:lstStyle/>
-          <a:p>
-            <a:r>
-              <a:rPr lang="en-GB" dirty="0"/>
-              <a:t>If you’re able to write to environment variables within a restricted bash environment, you should be able to write to a file outside of the restricted environment using a variable known as HISTFILE.</a:t>
-            </a:r>
-          </a:p>
-          <a:p>
-            <a:endParaRPr lang="en-GB" dirty="0"/>
-          </a:p>
-          <a:p>
-            <a:r>
-              <a:rPr lang="en-GB" dirty="0"/>
-              <a:t>Using HISTFILE we can specify any located interested files such as authorized_keys file belonging to the owner of the account.</a:t>
-            </a:r>
-          </a:p>
-          <a:p>
-            <a:endParaRPr lang="en-GB" dirty="0"/>
-          </a:p>
-          <a:p>
-            <a:r>
-              <a:rPr lang="en-GB" dirty="0"/>
-              <a:t>Any command written after inserting it into HISTFILE is then able to be written into the file itself. Allowing one method of trying to perform exploitation and interactions with system services despite being in </a:t>
-            </a:r>
-            <a:r>
-              <a:rPr lang="en-GB" dirty="0" err="1"/>
-              <a:t>rbash</a:t>
-            </a:r>
-            <a:r>
-              <a:rPr lang="en-GB" dirty="0"/>
-              <a:t>.</a:t>
-            </a:r>
-          </a:p>
-        </p:txBody>
-      </p:sp>
-    </p:spTree>
-    <p:extLst>
-      <p:ext uri="{BB962C8B-B14F-4D97-AF65-F5344CB8AC3E}">
-        <p14:creationId xmlns:p14="http://schemas.microsoft.com/office/powerpoint/2010/main" val="1499702252"/>
-      </p:ext>
-    </p:extLst>
-  </p:cSld>
-  <p:clrMapOvr>
-    <a:masterClrMapping/>
-  </p:clrMapOvr>
-</p:sld>
-</file>
-
-<file path=ppt/slides/slide13.xml><?xml version="1.0" encoding="utf-8"?>
-<p:sld xmlns:a="http://schemas.openxmlformats.org/drawingml/2006/main" xmlns:r="http://schemas.openxmlformats.org/officeDocument/2006/relationships" xmlns:p="http://schemas.openxmlformats.org/presentationml/2006/main">
-  <p:cSld>
-    <p:spTree>
-      <p:nvGrpSpPr>
-        <p:cNvPr id="1" name=""/>
-        <p:cNvGrpSpPr/>
-        <p:nvPr/>
-      </p:nvGrpSpPr>
-      <p:grpSpPr>
-        <a:xfrm>
-          <a:off x="0" y="0"/>
-          <a:ext cx="0" cy="0"/>
-          <a:chOff x="0" y="0"/>
-          <a:chExt cx="0" cy="0"/>
-        </a:xfrm>
-      </p:grpSpPr>
-      <p:sp>
-        <p:nvSpPr>
-          <p:cNvPr id="2" name="Title 1">
-            <a:extLst>
-              <a:ext uri="{FF2B5EF4-FFF2-40B4-BE49-F238E27FC236}">
                 <a16:creationId xmlns:a16="http://schemas.microsoft.com/office/drawing/2014/main" id="{41DB86D4-6608-4CA2-A4BE-6F03AC91F639}"/>
               </a:ext>
             </a:extLst>
@@ -5324,7 +5332,7 @@
 </p:sld>
 </file>
 
-<file path=ppt/slides/slide14.xml><?xml version="1.0" encoding="utf-8"?>
+<file path=ppt/slides/slide13.xml><?xml version="1.0" encoding="utf-8"?>
 <p:sld xmlns:a="http://schemas.openxmlformats.org/drawingml/2006/main" xmlns:r="http://schemas.openxmlformats.org/officeDocument/2006/relationships" xmlns:p="http://schemas.openxmlformats.org/presentationml/2006/main">
   <p:cSld>
     <p:spTree>
@@ -5369,328 +5377,8 @@
             </a:r>
             <a:r>
               <a:rPr lang="en-GB" dirty="0"/>
-              <a:t> in action – The bypass.</a:t>
-            </a:r>
-          </a:p>
-        </p:txBody>
-      </p:sp>
-      <p:pic>
-        <p:nvPicPr>
-          <p:cNvPr id="5" name="Picture 4">
-            <a:extLst>
-              <a:ext uri="{FF2B5EF4-FFF2-40B4-BE49-F238E27FC236}">
-                <a16:creationId xmlns:a16="http://schemas.microsoft.com/office/drawing/2014/main" id="{97FA548D-2BAA-4A15-A9B5-82C5EC0D9C43}"/>
-              </a:ext>
-            </a:extLst>
-          </p:cNvPr>
-          <p:cNvPicPr>
-            <a:picLocks noChangeAspect="1"/>
-          </p:cNvPicPr>
-          <p:nvPr/>
-        </p:nvPicPr>
-        <p:blipFill rotWithShape="1">
-          <a:blip r:embed="rId3"/>
-          <a:srcRect b="72955"/>
-          <a:stretch/>
-        </p:blipFill>
-        <p:spPr>
-          <a:xfrm>
-            <a:off x="2812529" y="2775509"/>
-            <a:ext cx="6467475" cy="1141171"/>
-          </a:xfrm>
-          <a:prstGeom prst="rect">
-            <a:avLst/>
-          </a:prstGeom>
-        </p:spPr>
-      </p:pic>
-      <p:cxnSp>
-        <p:nvCxnSpPr>
-          <p:cNvPr id="7" name="Straight Arrow Connector 6">
-            <a:extLst>
-              <a:ext uri="{FF2B5EF4-FFF2-40B4-BE49-F238E27FC236}">
-                <a16:creationId xmlns:a16="http://schemas.microsoft.com/office/drawing/2014/main" id="{0D92ECAA-9E89-4AC1-964E-C18CDDD60F26}"/>
-              </a:ext>
-            </a:extLst>
-          </p:cNvPr>
-          <p:cNvCxnSpPr>
-            <a:cxnSpLocks/>
-          </p:cNvCxnSpPr>
-          <p:nvPr/>
-        </p:nvCxnSpPr>
-        <p:spPr>
-          <a:xfrm>
-            <a:off x="1524000" y="2775509"/>
-            <a:ext cx="2979420" cy="59131"/>
-          </a:xfrm>
-          <a:prstGeom prst="straightConnector1">
-            <a:avLst/>
-          </a:prstGeom>
-          <a:ln>
-            <a:tailEnd type="triangle"/>
-          </a:ln>
-        </p:spPr>
-        <p:style>
-          <a:lnRef idx="1">
-            <a:schemeClr val="accent1"/>
-          </a:lnRef>
-          <a:fillRef idx="0">
-            <a:schemeClr val="accent1"/>
-          </a:fillRef>
-          <a:effectRef idx="0">
-            <a:schemeClr val="accent1"/>
-          </a:effectRef>
-          <a:fontRef idx="minor">
-            <a:schemeClr val="tx1"/>
-          </a:fontRef>
-        </p:style>
-      </p:cxnSp>
-      <p:sp>
-        <p:nvSpPr>
-          <p:cNvPr id="9" name="TextBox 8">
-            <a:extLst>
-              <a:ext uri="{FF2B5EF4-FFF2-40B4-BE49-F238E27FC236}">
-                <a16:creationId xmlns:a16="http://schemas.microsoft.com/office/drawing/2014/main" id="{E27DD90E-DD0C-43BD-B6CE-613B099D6E0D}"/>
-              </a:ext>
-            </a:extLst>
-          </p:cNvPr>
-          <p:cNvSpPr txBox="1"/>
-          <p:nvPr/>
-        </p:nvSpPr>
-        <p:spPr>
-          <a:xfrm>
-            <a:off x="274320" y="2313844"/>
-            <a:ext cx="1798320" cy="923330"/>
-          </a:xfrm>
-          <a:prstGeom prst="rect">
-            <a:avLst/>
-          </a:prstGeom>
-          <a:noFill/>
-        </p:spPr>
-        <p:txBody>
-          <a:bodyPr wrap="square" rtlCol="0">
-            <a:spAutoFit/>
-          </a:bodyPr>
-          <a:lstStyle/>
-          <a:p>
-            <a:r>
-              <a:rPr lang="en-GB" dirty="0"/>
-              <a:t>We can use ls to view properties of target</a:t>
-            </a:r>
-          </a:p>
-        </p:txBody>
-      </p:sp>
-      <p:sp>
-        <p:nvSpPr>
-          <p:cNvPr id="11" name="TextBox 10">
-            <a:extLst>
-              <a:ext uri="{FF2B5EF4-FFF2-40B4-BE49-F238E27FC236}">
-                <a16:creationId xmlns:a16="http://schemas.microsoft.com/office/drawing/2014/main" id="{962AA8AE-4DB0-40B3-97BC-53F5EA9BBC97}"/>
-              </a:ext>
-            </a:extLst>
-          </p:cNvPr>
-          <p:cNvSpPr txBox="1"/>
-          <p:nvPr/>
-        </p:nvSpPr>
-        <p:spPr>
-          <a:xfrm>
-            <a:off x="5646420" y="1813560"/>
-            <a:ext cx="2446020" cy="646331"/>
-          </a:xfrm>
-          <a:prstGeom prst="rect">
-            <a:avLst/>
-          </a:prstGeom>
-          <a:noFill/>
-        </p:spPr>
-        <p:txBody>
-          <a:bodyPr wrap="square" rtlCol="0">
-            <a:spAutoFit/>
-          </a:bodyPr>
-          <a:lstStyle/>
-          <a:p>
-            <a:pPr algn="ctr"/>
-            <a:r>
-              <a:rPr lang="en-GB" dirty="0"/>
-              <a:t>Authorized_keys: Persistent Access</a:t>
-            </a:r>
-          </a:p>
-        </p:txBody>
-      </p:sp>
-      <p:cxnSp>
-        <p:nvCxnSpPr>
-          <p:cNvPr id="15" name="Straight Arrow Connector 14">
-            <a:extLst>
-              <a:ext uri="{FF2B5EF4-FFF2-40B4-BE49-F238E27FC236}">
-                <a16:creationId xmlns:a16="http://schemas.microsoft.com/office/drawing/2014/main" id="{1AFADF3D-7512-48B3-B1B6-EC115CCA8DC4}"/>
-              </a:ext>
-            </a:extLst>
-          </p:cNvPr>
-          <p:cNvCxnSpPr>
-            <a:cxnSpLocks/>
-            <a:stCxn id="11" idx="1"/>
-          </p:cNvCxnSpPr>
-          <p:nvPr/>
-        </p:nvCxnSpPr>
-        <p:spPr>
-          <a:xfrm flipH="1">
-            <a:off x="3086100" y="2136726"/>
-            <a:ext cx="2560320" cy="818005"/>
-          </a:xfrm>
-          <a:prstGeom prst="straightConnector1">
-            <a:avLst/>
-          </a:prstGeom>
-          <a:ln>
-            <a:tailEnd type="triangle"/>
-          </a:ln>
-        </p:spPr>
-        <p:style>
-          <a:lnRef idx="1">
-            <a:schemeClr val="accent1"/>
-          </a:lnRef>
-          <a:fillRef idx="0">
-            <a:schemeClr val="accent1"/>
-          </a:fillRef>
-          <a:effectRef idx="0">
-            <a:schemeClr val="accent1"/>
-          </a:effectRef>
-          <a:fontRef idx="minor">
-            <a:schemeClr val="tx1"/>
-          </a:fontRef>
-        </p:style>
-      </p:cxnSp>
-      <p:sp>
-        <p:nvSpPr>
-          <p:cNvPr id="29" name="TextBox 28">
-            <a:extLst>
-              <a:ext uri="{FF2B5EF4-FFF2-40B4-BE49-F238E27FC236}">
-                <a16:creationId xmlns:a16="http://schemas.microsoft.com/office/drawing/2014/main" id="{23E4EA2F-009C-4909-AB98-236AC66665F3}"/>
-              </a:ext>
-            </a:extLst>
-          </p:cNvPr>
-          <p:cNvSpPr txBox="1"/>
-          <p:nvPr/>
-        </p:nvSpPr>
-        <p:spPr>
-          <a:xfrm>
-            <a:off x="9685020" y="2954731"/>
-            <a:ext cx="2232660" cy="923330"/>
-          </a:xfrm>
-          <a:prstGeom prst="rect">
-            <a:avLst/>
-          </a:prstGeom>
-          <a:noFill/>
-        </p:spPr>
-        <p:txBody>
-          <a:bodyPr wrap="square" rtlCol="0">
-            <a:spAutoFit/>
-          </a:bodyPr>
-          <a:lstStyle/>
-          <a:p>
-            <a:pPr algn="ctr"/>
-            <a:r>
-              <a:rPr lang="en-GB" dirty="0"/>
-              <a:t>Blocked! Cannot use &gt; to redirect output to file…</a:t>
-            </a:r>
-          </a:p>
-        </p:txBody>
-      </p:sp>
-      <p:cxnSp>
-        <p:nvCxnSpPr>
-          <p:cNvPr id="31" name="Straight Arrow Connector 30">
-            <a:extLst>
-              <a:ext uri="{FF2B5EF4-FFF2-40B4-BE49-F238E27FC236}">
-                <a16:creationId xmlns:a16="http://schemas.microsoft.com/office/drawing/2014/main" id="{7C0970B7-1F62-4AF7-8C2B-8D0C3DA84AA3}"/>
-              </a:ext>
-            </a:extLst>
-          </p:cNvPr>
-          <p:cNvCxnSpPr>
-            <a:stCxn id="29" idx="1"/>
-          </p:cNvCxnSpPr>
-          <p:nvPr/>
-        </p:nvCxnSpPr>
-        <p:spPr>
-          <a:xfrm flipH="1">
-            <a:off x="7658100" y="3416396"/>
-            <a:ext cx="2026920" cy="393604"/>
-          </a:xfrm>
-          <a:prstGeom prst="straightConnector1">
-            <a:avLst/>
-          </a:prstGeom>
-          <a:ln>
-            <a:tailEnd type="triangle"/>
-          </a:ln>
-        </p:spPr>
-        <p:style>
-          <a:lnRef idx="1">
-            <a:schemeClr val="accent1"/>
-          </a:lnRef>
-          <a:fillRef idx="0">
-            <a:schemeClr val="accent1"/>
-          </a:fillRef>
-          <a:effectRef idx="0">
-            <a:schemeClr val="accent1"/>
-          </a:effectRef>
-          <a:fontRef idx="minor">
-            <a:schemeClr val="tx1"/>
-          </a:fontRef>
-        </p:style>
-      </p:cxnSp>
-    </p:spTree>
-    <p:extLst>
-      <p:ext uri="{BB962C8B-B14F-4D97-AF65-F5344CB8AC3E}">
-        <p14:creationId xmlns:p14="http://schemas.microsoft.com/office/powerpoint/2010/main" val="381095761"/>
-      </p:ext>
-    </p:extLst>
-  </p:cSld>
-  <p:clrMapOvr>
-    <a:masterClrMapping/>
-  </p:clrMapOvr>
-</p:sld>
-</file>
-
-<file path=ppt/slides/slide15.xml><?xml version="1.0" encoding="utf-8"?>
-<p:sld xmlns:a="http://schemas.openxmlformats.org/drawingml/2006/main" xmlns:r="http://schemas.openxmlformats.org/officeDocument/2006/relationships" xmlns:p="http://schemas.openxmlformats.org/presentationml/2006/main">
-  <p:cSld>
-    <p:spTree>
-      <p:nvGrpSpPr>
-        <p:cNvPr id="1" name=""/>
-        <p:cNvGrpSpPr/>
-        <p:nvPr/>
-      </p:nvGrpSpPr>
-      <p:grpSpPr>
-        <a:xfrm>
-          <a:off x="0" y="0"/>
-          <a:ext cx="0" cy="0"/>
-          <a:chOff x="0" y="0"/>
-          <a:chExt cx="0" cy="0"/>
-        </a:xfrm>
-      </p:grpSpPr>
-      <p:sp>
-        <p:nvSpPr>
-          <p:cNvPr id="2" name="Title 1">
-            <a:extLst>
-              <a:ext uri="{FF2B5EF4-FFF2-40B4-BE49-F238E27FC236}">
-                <a16:creationId xmlns:a16="http://schemas.microsoft.com/office/drawing/2014/main" id="{41DB86D4-6608-4CA2-A4BE-6F03AC91F639}"/>
-              </a:ext>
-            </a:extLst>
-          </p:cNvPr>
-          <p:cNvSpPr>
-            <a:spLocks noGrp="1"/>
-          </p:cNvSpPr>
-          <p:nvPr>
-            <p:ph type="title"/>
-          </p:nvPr>
-        </p:nvSpPr>
-        <p:spPr/>
-        <p:txBody>
-          <a:bodyPr/>
-          <a:lstStyle/>
-          <a:p>
-            <a:pPr algn="ctr"/>
-            <a:r>
-              <a:rPr lang="en-GB"/>
-              <a:t>Histfile in action</a:t>
-            </a:r>
-            <a:endParaRPr lang="en-GB" dirty="0"/>
+              <a:t> in action – The bypass</a:t>
+            </a:r>
           </a:p>
         </p:txBody>
       </p:sp>
@@ -5913,6 +5601,88 @@
           </a:p>
         </p:txBody>
       </p:sp>
+      <p:cxnSp>
+        <p:nvCxnSpPr>
+          <p:cNvPr id="13" name="Straight Arrow Connector 12">
+            <a:extLst>
+              <a:ext uri="{FF2B5EF4-FFF2-40B4-BE49-F238E27FC236}">
+                <a16:creationId xmlns:a16="http://schemas.microsoft.com/office/drawing/2014/main" id="{50EBFEAA-6A76-41E5-9EBA-4A76D2CEE77B}"/>
+              </a:ext>
+            </a:extLst>
+          </p:cNvPr>
+          <p:cNvCxnSpPr>
+            <a:stCxn id="11" idx="3"/>
+          </p:cNvCxnSpPr>
+          <p:nvPr/>
+        </p:nvCxnSpPr>
+        <p:spPr>
+          <a:xfrm flipV="1">
+            <a:off x="2225040" y="3063240"/>
+            <a:ext cx="2286000" cy="689980"/>
+          </a:xfrm>
+          <a:prstGeom prst="straightConnector1">
+            <a:avLst/>
+          </a:prstGeom>
+          <a:ln>
+            <a:tailEnd type="triangle"/>
+          </a:ln>
+        </p:spPr>
+        <p:style>
+          <a:lnRef idx="1">
+            <a:schemeClr val="accent1"/>
+          </a:lnRef>
+          <a:fillRef idx="0">
+            <a:schemeClr val="accent1"/>
+          </a:fillRef>
+          <a:effectRef idx="0">
+            <a:schemeClr val="accent1"/>
+          </a:effectRef>
+          <a:fontRef idx="minor">
+            <a:schemeClr val="tx1"/>
+          </a:fontRef>
+        </p:style>
+      </p:cxnSp>
+      <p:cxnSp>
+        <p:nvCxnSpPr>
+          <p:cNvPr id="15" name="Straight Arrow Connector 14">
+            <a:extLst>
+              <a:ext uri="{FF2B5EF4-FFF2-40B4-BE49-F238E27FC236}">
+                <a16:creationId xmlns:a16="http://schemas.microsoft.com/office/drawing/2014/main" id="{015B39AE-15A2-49D3-B914-71F39371D965}"/>
+              </a:ext>
+            </a:extLst>
+          </p:cNvPr>
+          <p:cNvCxnSpPr>
+            <a:stCxn id="11" idx="3"/>
+          </p:cNvCxnSpPr>
+          <p:nvPr/>
+        </p:nvCxnSpPr>
+        <p:spPr>
+          <a:xfrm flipV="1">
+            <a:off x="2225040" y="3558540"/>
+            <a:ext cx="2956560" cy="194680"/>
+          </a:xfrm>
+          <a:prstGeom prst="straightConnector1">
+            <a:avLst/>
+          </a:prstGeom>
+          <a:ln>
+            <a:tailEnd type="triangle"/>
+          </a:ln>
+        </p:spPr>
+        <p:style>
+          <a:lnRef idx="1">
+            <a:schemeClr val="accent1"/>
+          </a:lnRef>
+          <a:fillRef idx="0">
+            <a:schemeClr val="accent1"/>
+          </a:fillRef>
+          <a:effectRef idx="0">
+            <a:schemeClr val="accent1"/>
+          </a:effectRef>
+          <a:fontRef idx="minor">
+            <a:schemeClr val="tx1"/>
+          </a:fontRef>
+        </p:style>
+      </p:cxnSp>
     </p:spTree>
     <p:extLst>
       <p:ext uri="{BB962C8B-B14F-4D97-AF65-F5344CB8AC3E}">
@@ -5926,7 +5696,7 @@
 </p:sld>
 </file>
 
-<file path=ppt/slides/slide16.xml><?xml version="1.0" encoding="utf-8"?>
+<file path=ppt/slides/slide14.xml><?xml version="1.0" encoding="utf-8"?>
 <p:sld xmlns:a="http://schemas.openxmlformats.org/drawingml/2006/main" xmlns:r="http://schemas.openxmlformats.org/officeDocument/2006/relationships" xmlns:p="http://schemas.openxmlformats.org/presentationml/2006/main">
   <p:cSld>
     <p:spTree>
@@ -6012,6 +5782,127 @@
     <p:extLst>
       <p:ext uri="{BB962C8B-B14F-4D97-AF65-F5344CB8AC3E}">
         <p14:creationId xmlns:p14="http://schemas.microsoft.com/office/powerpoint/2010/main" val="3833779495"/>
+      </p:ext>
+    </p:extLst>
+  </p:cSld>
+  <p:clrMapOvr>
+    <a:masterClrMapping/>
+  </p:clrMapOvr>
+</p:sld>
+</file>
+
+<file path=ppt/slides/slide15.xml><?xml version="1.0" encoding="utf-8"?>
+<p:sld xmlns:a="http://schemas.openxmlformats.org/drawingml/2006/main" xmlns:r="http://schemas.openxmlformats.org/officeDocument/2006/relationships" xmlns:p="http://schemas.openxmlformats.org/presentationml/2006/main">
+  <p:cSld>
+    <p:spTree>
+      <p:nvGrpSpPr>
+        <p:cNvPr id="1" name=""/>
+        <p:cNvGrpSpPr/>
+        <p:nvPr/>
+      </p:nvGrpSpPr>
+      <p:grpSpPr>
+        <a:xfrm>
+          <a:off x="0" y="0"/>
+          <a:ext cx="0" cy="0"/>
+          <a:chOff x="0" y="0"/>
+          <a:chExt cx="0" cy="0"/>
+        </a:xfrm>
+      </p:grpSpPr>
+      <p:sp>
+        <p:nvSpPr>
+          <p:cNvPr id="2" name="Title 1">
+            <a:extLst>
+              <a:ext uri="{FF2B5EF4-FFF2-40B4-BE49-F238E27FC236}">
+                <a16:creationId xmlns:a16="http://schemas.microsoft.com/office/drawing/2014/main" id="{C885FCFB-1031-4056-AA9C-BA3ED24E13D0}"/>
+              </a:ext>
+            </a:extLst>
+          </p:cNvPr>
+          <p:cNvSpPr>
+            <a:spLocks noGrp="1"/>
+          </p:cNvSpPr>
+          <p:nvPr>
+            <p:ph type="title"/>
+          </p:nvPr>
+        </p:nvSpPr>
+        <p:spPr/>
+        <p:txBody>
+          <a:bodyPr/>
+          <a:lstStyle/>
+          <a:p>
+            <a:pPr algn="ctr"/>
+            <a:r>
+              <a:rPr lang="en-GB" dirty="0"/>
+              <a:t>Conclusion</a:t>
+            </a:r>
+          </a:p>
+        </p:txBody>
+      </p:sp>
+      <p:sp>
+        <p:nvSpPr>
+          <p:cNvPr id="3" name="Content Placeholder 2">
+            <a:extLst>
+              <a:ext uri="{FF2B5EF4-FFF2-40B4-BE49-F238E27FC236}">
+                <a16:creationId xmlns:a16="http://schemas.microsoft.com/office/drawing/2014/main" id="{1BA0A83B-F7B5-49B9-8732-D60137638A02}"/>
+              </a:ext>
+            </a:extLst>
+          </p:cNvPr>
+          <p:cNvSpPr>
+            <a:spLocks noGrp="1"/>
+          </p:cNvSpPr>
+          <p:nvPr>
+            <p:ph idx="1"/>
+          </p:nvPr>
+        </p:nvSpPr>
+        <p:spPr/>
+        <p:txBody>
+          <a:bodyPr/>
+          <a:lstStyle/>
+          <a:p>
+            <a:r>
+              <a:rPr lang="en-GB" dirty="0"/>
+              <a:t>Aspiring offensive security practitioners now have more techniques to use.</a:t>
+            </a:r>
+          </a:p>
+          <a:p>
+            <a:endParaRPr lang="en-GB" dirty="0"/>
+          </a:p>
+          <a:p>
+            <a:r>
+              <a:rPr lang="en-GB" dirty="0"/>
+              <a:t>Current support staff making use of </a:t>
+            </a:r>
+            <a:r>
+              <a:rPr lang="en-GB" dirty="0" err="1"/>
+              <a:t>rbash</a:t>
+            </a:r>
+            <a:r>
+              <a:rPr lang="en-GB" dirty="0"/>
+              <a:t> can plan further restrictions on their current installations.</a:t>
+            </a:r>
+          </a:p>
+          <a:p>
+            <a:endParaRPr lang="en-GB" dirty="0"/>
+          </a:p>
+          <a:p>
+            <a:r>
+              <a:rPr lang="en-GB" dirty="0"/>
+              <a:t>Future use of </a:t>
+            </a:r>
+            <a:r>
+              <a:rPr lang="en-GB" dirty="0" err="1"/>
+              <a:t>rbash</a:t>
+            </a:r>
+            <a:r>
+              <a:rPr lang="en-GB" dirty="0"/>
+              <a:t> can be used more securely with further review of attempting to bypass defences installed on the local server/network devices.</a:t>
+            </a:r>
+          </a:p>
+        </p:txBody>
+      </p:sp>
+    </p:spTree>
+    <p:extLst>
+      <p:ext uri="{BB962C8B-B14F-4D97-AF65-F5344CB8AC3E}">
+        <p14:creationId xmlns:p14="http://schemas.microsoft.com/office/powerpoint/2010/main" val="1040485354"/>
       </p:ext>
     </p:extLst>
   </p:cSld>
@@ -6090,7 +5981,7 @@
           <a:p>
             <a:r>
               <a:rPr lang="en-GB" dirty="0"/>
-              <a:t>A sandboxed environment which prevents the use of key binaries.</a:t>
+              <a:t>A sandboxed/restricted shell environment which prevents the use of key binaries such as: cp, cat, bash, sh, </a:t>
             </a:r>
           </a:p>
           <a:p>
@@ -6986,7 +6877,7 @@
           <p:nvPr/>
         </p:nvPicPr>
         <p:blipFill>
-          <a:blip r:embed="rId2"/>
+          <a:blip r:embed="rId3"/>
           <a:stretch>
             <a:fillRect/>
           </a:stretch>

--- a/Offensive Security Tactics for Linux Professionals - Linux Restricted Shell Escapes.pptx
+++ b/Offensive Security Tactics for Linux Professionals - Linux Restricted Shell Escapes.pptx
@@ -5,7 +5,7 @@
     <p:sldMasterId id="2147483686" r:id="rId1"/>
   </p:sldMasterIdLst>
   <p:notesMasterIdLst>
-    <p:notesMasterId r:id="rId17"/>
+    <p:notesMasterId r:id="rId20"/>
   </p:notesMasterIdLst>
   <p:sldIdLst>
     <p:sldId id="256" r:id="rId2"/>
@@ -21,8 +21,11 @@
     <p:sldId id="267" r:id="rId12"/>
     <p:sldId id="271" r:id="rId13"/>
     <p:sldId id="272" r:id="rId14"/>
-    <p:sldId id="260" r:id="rId15"/>
-    <p:sldId id="274" r:id="rId16"/>
+    <p:sldId id="275" r:id="rId15"/>
+    <p:sldId id="260" r:id="rId16"/>
+    <p:sldId id="274" r:id="rId17"/>
+    <p:sldId id="276" r:id="rId18"/>
+    <p:sldId id="277" r:id="rId19"/>
   </p:sldIdLst>
   <p:sldSz cx="12192000" cy="6858000"/>
   <p:notesSz cx="6858000" cy="9144000"/>
@@ -211,7 +214,7 @@
           <a:p>
             <a:fld id="{62337A15-E85D-4C6F-8182-D6D033CC6DCD}" type="datetimeFigureOut">
               <a:rPr lang="en-GB" smtClean="0"/>
-              <a:t>01/11/2021</a:t>
+              <a:t>07/04/2022</a:t>
             </a:fld>
             <a:endParaRPr lang="en-GB"/>
           </a:p>
@@ -1053,6 +1056,90 @@
 </p:notes>
 </file>
 
+<file path=ppt/notesSlides/notesSlide7.xml><?xml version="1.0" encoding="utf-8"?>
+<p:notes xmlns:a="http://schemas.openxmlformats.org/drawingml/2006/main" xmlns:r="http://schemas.openxmlformats.org/officeDocument/2006/relationships" xmlns:p="http://schemas.openxmlformats.org/presentationml/2006/main">
+  <p:cSld>
+    <p:spTree>
+      <p:nvGrpSpPr>
+        <p:cNvPr id="1" name=""/>
+        <p:cNvGrpSpPr/>
+        <p:nvPr/>
+      </p:nvGrpSpPr>
+      <p:grpSpPr>
+        <a:xfrm>
+          <a:off x="0" y="0"/>
+          <a:ext cx="0" cy="0"/>
+          <a:chOff x="0" y="0"/>
+          <a:chExt cx="0" cy="0"/>
+        </a:xfrm>
+      </p:grpSpPr>
+      <p:sp>
+        <p:nvSpPr>
+          <p:cNvPr id="2" name="Slide Image Placeholder 1"/>
+          <p:cNvSpPr>
+            <a:spLocks noGrp="1" noRot="1" noChangeAspect="1"/>
+          </p:cNvSpPr>
+          <p:nvPr>
+            <p:ph type="sldImg"/>
+          </p:nvPr>
+        </p:nvSpPr>
+        <p:spPr/>
+      </p:sp>
+      <p:sp>
+        <p:nvSpPr>
+          <p:cNvPr id="3" name="Notes Placeholder 2"/>
+          <p:cNvSpPr>
+            <a:spLocks noGrp="1"/>
+          </p:cNvSpPr>
+          <p:nvPr>
+            <p:ph type="body" idx="1"/>
+          </p:nvPr>
+        </p:nvSpPr>
+        <p:spPr/>
+        <p:txBody>
+          <a:bodyPr/>
+          <a:lstStyle/>
+          <a:p>
+            <a:endParaRPr lang="en-GB" dirty="0"/>
+          </a:p>
+        </p:txBody>
+      </p:sp>
+      <p:sp>
+        <p:nvSpPr>
+          <p:cNvPr id="4" name="Slide Number Placeholder 3"/>
+          <p:cNvSpPr>
+            <a:spLocks noGrp="1"/>
+          </p:cNvSpPr>
+          <p:nvPr>
+            <p:ph type="sldNum" sz="quarter" idx="5"/>
+          </p:nvPr>
+        </p:nvSpPr>
+        <p:spPr/>
+        <p:txBody>
+          <a:bodyPr/>
+          <a:lstStyle/>
+          <a:p>
+            <a:fld id="{72F69CCC-2D01-4A86-A9A5-5CB8861A15B1}" type="slidenum">
+              <a:rPr lang="en-GB" smtClean="0"/>
+              <a:t>14</a:t>
+            </a:fld>
+            <a:endParaRPr lang="en-GB"/>
+          </a:p>
+        </p:txBody>
+      </p:sp>
+    </p:spTree>
+    <p:extLst>
+      <p:ext uri="{BB962C8B-B14F-4D97-AF65-F5344CB8AC3E}">
+        <p14:creationId xmlns:p14="http://schemas.microsoft.com/office/powerpoint/2010/main" val="3086657645"/>
+      </p:ext>
+    </p:extLst>
+  </p:cSld>
+  <p:clrMapOvr>
+    <a:masterClrMapping/>
+  </p:clrMapOvr>
+</p:notes>
+</file>
+
 <file path=ppt/slideLayouts/slideLayout1.xml><?xml version="1.0" encoding="utf-8"?>
 <p:sldLayout xmlns:a="http://schemas.openxmlformats.org/drawingml/2006/main" xmlns:r="http://schemas.openxmlformats.org/officeDocument/2006/relationships" xmlns:p="http://schemas.openxmlformats.org/presentationml/2006/main" type="title" preserve="1">
   <p:cSld name="Title Slide">
@@ -1204,7 +1291,7 @@
           <a:p>
             <a:fld id="{2F3E8B1C-86EF-43CF-8304-249481088644}" type="datetimeFigureOut">
               <a:rPr lang="en-US" smtClean="0"/>
-              <a:t>11/1/2021</a:t>
+              <a:t>4/7/2022</a:t>
             </a:fld>
             <a:endParaRPr lang="en-US"/>
           </a:p>
@@ -1402,7 +1489,7 @@
           <a:p>
             <a:fld id="{2F3E8B1C-86EF-43CF-8304-249481088644}" type="datetimeFigureOut">
               <a:rPr lang="en-US" smtClean="0"/>
-              <a:t>11/1/2021</a:t>
+              <a:t>4/7/2022</a:t>
             </a:fld>
             <a:endParaRPr lang="en-US"/>
           </a:p>
@@ -1610,7 +1697,7 @@
           <a:p>
             <a:fld id="{2F3E8B1C-86EF-43CF-8304-249481088644}" type="datetimeFigureOut">
               <a:rPr lang="en-US" smtClean="0"/>
-              <a:t>11/1/2021</a:t>
+              <a:t>4/7/2022</a:t>
             </a:fld>
             <a:endParaRPr lang="en-US"/>
           </a:p>
@@ -1808,7 +1895,7 @@
           <a:p>
             <a:fld id="{2F3E8B1C-86EF-43CF-8304-249481088644}" type="datetimeFigureOut">
               <a:rPr lang="en-US" smtClean="0"/>
-              <a:t>11/1/2021</a:t>
+              <a:t>4/7/2022</a:t>
             </a:fld>
             <a:endParaRPr lang="en-US"/>
           </a:p>
@@ -2083,7 +2170,7 @@
           <a:p>
             <a:fld id="{2F3E8B1C-86EF-43CF-8304-249481088644}" type="datetimeFigureOut">
               <a:rPr lang="en-US" smtClean="0"/>
-              <a:t>11/1/2021</a:t>
+              <a:t>4/7/2022</a:t>
             </a:fld>
             <a:endParaRPr lang="en-US"/>
           </a:p>
@@ -2353,7 +2440,7 @@
           <a:p>
             <a:fld id="{2F3E8B1C-86EF-43CF-8304-249481088644}" type="datetimeFigureOut">
               <a:rPr lang="en-US" smtClean="0"/>
-              <a:t>11/1/2021</a:t>
+              <a:t>4/7/2022</a:t>
             </a:fld>
             <a:endParaRPr lang="en-US"/>
           </a:p>
@@ -2773,7 +2860,7 @@
           <a:p>
             <a:fld id="{2F3E8B1C-86EF-43CF-8304-249481088644}" type="datetimeFigureOut">
               <a:rPr lang="en-US" smtClean="0"/>
-              <a:t>11/1/2021</a:t>
+              <a:t>4/7/2022</a:t>
             </a:fld>
             <a:endParaRPr lang="en-US"/>
           </a:p>
@@ -2914,7 +3001,7 @@
           <a:p>
             <a:fld id="{2F3E8B1C-86EF-43CF-8304-249481088644}" type="datetimeFigureOut">
               <a:rPr lang="en-US" smtClean="0"/>
-              <a:t>11/1/2021</a:t>
+              <a:t>4/7/2022</a:t>
             </a:fld>
             <a:endParaRPr lang="en-US"/>
           </a:p>
@@ -3027,7 +3114,7 @@
           <a:p>
             <a:fld id="{2F3E8B1C-86EF-43CF-8304-249481088644}" type="datetimeFigureOut">
               <a:rPr lang="en-US" smtClean="0"/>
-              <a:t>11/1/2021</a:t>
+              <a:t>4/7/2022</a:t>
             </a:fld>
             <a:endParaRPr lang="en-US"/>
           </a:p>
@@ -3338,7 +3425,7 @@
           <a:p>
             <a:fld id="{2F3E8B1C-86EF-43CF-8304-249481088644}" type="datetimeFigureOut">
               <a:rPr lang="en-US" smtClean="0"/>
-              <a:t>11/1/2021</a:t>
+              <a:t>4/7/2022</a:t>
             </a:fld>
             <a:endParaRPr lang="en-US"/>
           </a:p>
@@ -3626,7 +3713,7 @@
           <a:p>
             <a:fld id="{2F3E8B1C-86EF-43CF-8304-249481088644}" type="datetimeFigureOut">
               <a:rPr lang="en-US" smtClean="0"/>
-              <a:t>11/1/2021</a:t>
+              <a:t>4/7/2022</a:t>
             </a:fld>
             <a:endParaRPr lang="en-US"/>
           </a:p>
@@ -3867,7 +3954,7 @@
             <a:fld id="{2F3E8B1C-86EF-43CF-8304-249481088644}" type="datetimeFigureOut">
               <a:rPr lang="en-US" smtClean="0"/>
               <a:pPr/>
-              <a:t>11/1/2021</a:t>
+              <a:t>4/7/2022</a:t>
             </a:fld>
             <a:endParaRPr lang="en-US" dirty="0"/>
           </a:p>
@@ -5699,6 +5786,14 @@
 <file path=ppt/slides/slide14.xml><?xml version="1.0" encoding="utf-8"?>
 <p:sld xmlns:a="http://schemas.openxmlformats.org/drawingml/2006/main" xmlns:r="http://schemas.openxmlformats.org/officeDocument/2006/relationships" xmlns:p="http://schemas.openxmlformats.org/presentationml/2006/main">
   <p:cSld>
+    <p:bg>
+      <p:bgPr>
+        <a:solidFill>
+          <a:schemeClr val="bg1"/>
+        </a:solidFill>
+        <a:effectLst/>
+      </p:bgPr>
+    </p:bg>
     <p:spTree>
       <p:nvGrpSpPr>
         <p:cNvPr id="1" name=""/>
@@ -5713,12 +5808,88 @@
           <a:chExt cx="0" cy="0"/>
         </a:xfrm>
       </p:grpSpPr>
+      <p:sp useBgFill="1">
+        <p:nvSpPr>
+          <p:cNvPr id="10" name="Rectangle 9">
+            <a:extLst>
+              <a:ext uri="{FF2B5EF4-FFF2-40B4-BE49-F238E27FC236}">
+                <a16:creationId xmlns:a16="http://schemas.microsoft.com/office/drawing/2014/main" id="{E49D7415-2F11-44C2-B6AA-13A25B6814B9}"/>
+              </a:ext>
+              <a:ext uri="{C183D7F6-B498-43B3-948B-1728B52AA6E4}">
+                <adec:decorative xmlns:adec="http://schemas.microsoft.com/office/drawing/2017/decorative" val="1"/>
+              </a:ext>
+            </a:extLst>
+          </p:cNvPr>
+          <p:cNvSpPr>
+            <a:spLocks noGrp="1" noRot="1" noChangeAspect="1" noMove="1" noResize="1" noEditPoints="1" noAdjustHandles="1" noChangeArrowheads="1" noChangeShapeType="1" noTextEdit="1"/>
+          </p:cNvSpPr>
+          <p:nvPr>
+            <p:extLst>
+              <p:ext uri="{386F3935-93C4-4BCD-93E2-E3B085C9AB24}">
+                <p16:designElem xmlns:p16="http://schemas.microsoft.com/office/powerpoint/2015/main" val="1"/>
+              </p:ext>
+            </p:extLst>
+          </p:nvPr>
+        </p:nvSpPr>
+        <p:spPr>
+          <a:xfrm>
+            <a:off x="0" y="0"/>
+            <a:ext cx="12192000" cy="6858000"/>
+          </a:xfrm>
+          <a:prstGeom prst="rect">
+            <a:avLst/>
+          </a:prstGeom>
+          <a:ln w="12700" cap="flat" cmpd="sng" algn="ctr">
+            <a:noFill/>
+            <a:prstDash val="solid"/>
+            <a:miter lim="800000"/>
+          </a:ln>
+          <a:effectLst/>
+          <a:extLst>
+            <a:ext uri="{91240B29-F687-4F45-9708-019B960494DF}">
+              <a14:hiddenLine xmlns:a14="http://schemas.microsoft.com/office/drawing/2010/main" w="12700" cap="flat" cmpd="sng" algn="ctr">
+                <a:solidFill>
+                  <a:schemeClr val="accent1">
+                    <a:shade val="50000"/>
+                  </a:schemeClr>
+                </a:solidFill>
+                <a:prstDash val="solid"/>
+                <a:miter lim="800000"/>
+              </a14:hiddenLine>
+            </a:ext>
+          </a:extLst>
+        </p:spPr>
+        <p:style>
+          <a:lnRef idx="2">
+            <a:schemeClr val="accent1">
+              <a:shade val="50000"/>
+            </a:schemeClr>
+          </a:lnRef>
+          <a:fillRef idx="1">
+            <a:schemeClr val="accent1"/>
+          </a:fillRef>
+          <a:effectRef idx="0">
+            <a:schemeClr val="accent1"/>
+          </a:effectRef>
+          <a:fontRef idx="minor">
+            <a:schemeClr val="lt1"/>
+          </a:fontRef>
+        </p:style>
+        <p:txBody>
+          <a:bodyPr rtlCol="0" anchor="ctr"/>
+          <a:lstStyle/>
+          <a:p>
+            <a:pPr algn="ctr"/>
+            <a:endParaRPr lang="en-US"/>
+          </a:p>
+        </p:txBody>
+      </p:sp>
       <p:sp>
         <p:nvSpPr>
           <p:cNvPr id="2" name="Title 1">
             <a:extLst>
               <a:ext uri="{FF2B5EF4-FFF2-40B4-BE49-F238E27FC236}">
-                <a16:creationId xmlns:a16="http://schemas.microsoft.com/office/drawing/2014/main" id="{AE46DF61-E0E3-4B00-83BF-473E7C73394E}"/>
+                <a16:creationId xmlns:a16="http://schemas.microsoft.com/office/drawing/2014/main" id="{64DF5C8B-6E7E-4624-858B-918BC0271F48}"/>
               </a:ext>
             </a:extLst>
           </p:cNvPr>
@@ -5729,59 +5900,211 @@
             <p:ph type="title"/>
           </p:nvPr>
         </p:nvSpPr>
-        <p:spPr/>
-        <p:txBody>
-          <a:bodyPr/>
+        <p:spPr>
+          <a:xfrm>
+            <a:off x="685801" y="906366"/>
+            <a:ext cx="4412098" cy="1616771"/>
+          </a:xfrm>
+        </p:spPr>
+        <p:txBody>
+          <a:bodyPr>
+            <a:normAutofit/>
+          </a:bodyPr>
+          <a:lstStyle/>
+          <a:p>
+            <a:pPr>
+              <a:lnSpc>
+                <a:spcPct val="90000"/>
+              </a:lnSpc>
+            </a:pPr>
+            <a:r>
+              <a:rPr lang="en-GB" sz="3400"/>
+              <a:t>What if my target is using restricted shell over </a:t>
+            </a:r>
+            <a:r>
+              <a:rPr lang="en-GB" sz="3400" err="1"/>
+              <a:t>ssh</a:t>
+            </a:r>
+            <a:r>
+              <a:rPr lang="en-GB" sz="3400"/>
+              <a:t>?</a:t>
+            </a:r>
+          </a:p>
+        </p:txBody>
+      </p:sp>
+      <p:cxnSp>
+        <p:nvCxnSpPr>
+          <p:cNvPr id="12" name="Straight Connector 11">
+            <a:extLst>
+              <a:ext uri="{FF2B5EF4-FFF2-40B4-BE49-F238E27FC236}">
+                <a16:creationId xmlns:a16="http://schemas.microsoft.com/office/drawing/2014/main" id="{9BFA7F3E-7868-4A4D-9F5E-C2148971041E}"/>
+              </a:ext>
+              <a:ext uri="{C183D7F6-B498-43B3-948B-1728B52AA6E4}">
+                <adec:decorative xmlns:adec="http://schemas.microsoft.com/office/drawing/2017/decorative" val="1"/>
+              </a:ext>
+            </a:extLst>
+          </p:cNvPr>
+          <p:cNvCxnSpPr>
+            <a:cxnSpLocks noGrp="1" noRot="1" noChangeAspect="1" noMove="1" noResize="1" noEditPoints="1" noAdjustHandles="1" noChangeArrowheads="1" noChangeShapeType="1"/>
+          </p:cNvCxnSpPr>
+          <p:nvPr>
+            <p:extLst>
+              <p:ext uri="{386F3935-93C4-4BCD-93E2-E3B085C9AB24}">
+                <p16:designElem xmlns:p16="http://schemas.microsoft.com/office/powerpoint/2015/main" val="1"/>
+              </p:ext>
+            </p:extLst>
+          </p:nvPr>
+        </p:nvCxnSpPr>
+        <p:spPr>
+          <a:xfrm>
+            <a:off x="800100" y="723900"/>
+            <a:ext cx="10591800" cy="0"/>
+          </a:xfrm>
+          <a:prstGeom prst="line">
+            <a:avLst/>
+          </a:prstGeom>
+          <a:ln w="44450">
+            <a:solidFill>
+              <a:schemeClr val="tx1"/>
+            </a:solidFill>
+          </a:ln>
+        </p:spPr>
+        <p:style>
+          <a:lnRef idx="1">
+            <a:schemeClr val="accent1"/>
+          </a:lnRef>
+          <a:fillRef idx="0">
+            <a:schemeClr val="accent1"/>
+          </a:fillRef>
+          <a:effectRef idx="0">
+            <a:schemeClr val="accent1"/>
+          </a:effectRef>
+          <a:fontRef idx="minor">
+            <a:schemeClr val="tx1"/>
+          </a:fontRef>
+        </p:style>
+      </p:cxnSp>
+      <p:sp>
+        <p:nvSpPr>
+          <p:cNvPr id="3" name="Content Placeholder 2">
+            <a:extLst>
+              <a:ext uri="{FF2B5EF4-FFF2-40B4-BE49-F238E27FC236}">
+                <a16:creationId xmlns:a16="http://schemas.microsoft.com/office/drawing/2014/main" id="{5C2AE63D-139C-49BC-9605-16C319C7ECD0}"/>
+              </a:ext>
+            </a:extLst>
+          </p:cNvPr>
+          <p:cNvSpPr>
+            <a:spLocks noGrp="1"/>
+          </p:cNvSpPr>
+          <p:nvPr>
+            <p:ph idx="1"/>
+          </p:nvPr>
+        </p:nvSpPr>
+        <p:spPr>
+          <a:xfrm>
+            <a:off x="5628536" y="982684"/>
+            <a:ext cx="5877664" cy="1499962"/>
+          </a:xfrm>
+        </p:spPr>
+        <p:txBody>
+          <a:bodyPr>
+            <a:normAutofit/>
+          </a:bodyPr>
           <a:lstStyle/>
           <a:p>
             <a:r>
               <a:rPr lang="en-GB" dirty="0"/>
-              <a:t>How do I know which commands I can use</a:t>
-            </a:r>
-          </a:p>
-        </p:txBody>
-      </p:sp>
-      <p:sp>
-        <p:nvSpPr>
-          <p:cNvPr id="3" name="Content Placeholder 2">
-            <a:extLst>
-              <a:ext uri="{FF2B5EF4-FFF2-40B4-BE49-F238E27FC236}">
-                <a16:creationId xmlns:a16="http://schemas.microsoft.com/office/drawing/2014/main" id="{8D5BCDF7-8E44-49FE-B835-96FB02BC689E}"/>
-              </a:ext>
-            </a:extLst>
-          </p:cNvPr>
-          <p:cNvSpPr>
-            <a:spLocks noGrp="1"/>
-          </p:cNvSpPr>
-          <p:nvPr>
-            <p:ph idx="1"/>
-          </p:nvPr>
-        </p:nvSpPr>
-        <p:spPr/>
-        <p:txBody>
-          <a:bodyPr/>
-          <a:lstStyle/>
-          <a:p>
-            <a:r>
-              <a:rPr lang="en-GB" dirty="0"/>
-              <a:t>Double tap of [tab] reveals the available commands in your restricted environment as seen in the image. (If the environment is configured to display commands)</a:t>
-            </a:r>
-          </a:p>
-          <a:p>
-            <a:endParaRPr lang="en-GB" dirty="0"/>
-          </a:p>
-          <a:p>
-            <a:r>
-              <a:rPr lang="en-GB" dirty="0"/>
-              <a:t>If restricted shell is configured to not display commands you can use the beginning letter of each command followed by use of double tap of [tab] key.</a:t>
-            </a:r>
-          </a:p>
-        </p:txBody>
-      </p:sp>
+              <a:t>SSH to the rescue! Using SSH “-t” switch, we can execute commands on the target machine before spawning a shell allowing for escape.</a:t>
+            </a:r>
+          </a:p>
+        </p:txBody>
+      </p:sp>
+      <p:pic>
+        <p:nvPicPr>
+          <p:cNvPr id="5" name="Picture 4">
+            <a:extLst>
+              <a:ext uri="{FF2B5EF4-FFF2-40B4-BE49-F238E27FC236}">
+                <a16:creationId xmlns:a16="http://schemas.microsoft.com/office/drawing/2014/main" id="{EE8A4D7F-BDFE-47FB-BE16-6925DEC48DD1}"/>
+              </a:ext>
+            </a:extLst>
+          </p:cNvPr>
+          <p:cNvPicPr>
+            <a:picLocks noChangeAspect="1"/>
+          </p:cNvPicPr>
+          <p:nvPr/>
+        </p:nvPicPr>
+        <p:blipFill>
+          <a:blip r:embed="rId3"/>
+          <a:stretch>
+            <a:fillRect/>
+          </a:stretch>
+        </p:blipFill>
+        <p:spPr>
+          <a:xfrm>
+            <a:off x="1452565" y="2819401"/>
+            <a:ext cx="9286870" cy="2971798"/>
+          </a:xfrm>
+          <a:prstGeom prst="rect">
+            <a:avLst/>
+          </a:prstGeom>
+        </p:spPr>
+      </p:pic>
+      <p:cxnSp>
+        <p:nvCxnSpPr>
+          <p:cNvPr id="18" name="Straight Connector 13">
+            <a:extLst>
+              <a:ext uri="{FF2B5EF4-FFF2-40B4-BE49-F238E27FC236}">
+                <a16:creationId xmlns:a16="http://schemas.microsoft.com/office/drawing/2014/main" id="{276AB626-F2F4-41D1-94FC-3258BA6784F8}"/>
+              </a:ext>
+              <a:ext uri="{C183D7F6-B498-43B3-948B-1728B52AA6E4}">
+                <adec:decorative xmlns:adec="http://schemas.microsoft.com/office/drawing/2017/decorative" val="1"/>
+              </a:ext>
+            </a:extLst>
+          </p:cNvPr>
+          <p:cNvCxnSpPr>
+            <a:cxnSpLocks noGrp="1" noRot="1" noChangeAspect="1" noMove="1" noResize="1" noEditPoints="1" noAdjustHandles="1" noChangeArrowheads="1" noChangeShapeType="1"/>
+          </p:cNvCxnSpPr>
+          <p:nvPr>
+            <p:extLst>
+              <p:ext uri="{386F3935-93C4-4BCD-93E2-E3B085C9AB24}">
+                <p16:designElem xmlns:p16="http://schemas.microsoft.com/office/powerpoint/2015/main" val="1"/>
+              </p:ext>
+            </p:extLst>
+          </p:nvPr>
+        </p:nvCxnSpPr>
+        <p:spPr>
+          <a:xfrm>
+            <a:off x="800100" y="6142781"/>
+            <a:ext cx="10591800" cy="0"/>
+          </a:xfrm>
+          <a:prstGeom prst="line">
+            <a:avLst/>
+          </a:prstGeom>
+          <a:ln w="12700">
+            <a:solidFill>
+              <a:schemeClr val="tx1"/>
+            </a:solidFill>
+          </a:ln>
+        </p:spPr>
+        <p:style>
+          <a:lnRef idx="1">
+            <a:schemeClr val="accent1"/>
+          </a:lnRef>
+          <a:fillRef idx="0">
+            <a:schemeClr val="accent1"/>
+          </a:fillRef>
+          <a:effectRef idx="0">
+            <a:schemeClr val="accent1"/>
+          </a:effectRef>
+          <a:fontRef idx="minor">
+            <a:schemeClr val="tx1"/>
+          </a:fontRef>
+        </p:style>
+      </p:cxnSp>
     </p:spTree>
     <p:extLst>
       <p:ext uri="{BB962C8B-B14F-4D97-AF65-F5344CB8AC3E}">
-        <p14:creationId xmlns:p14="http://schemas.microsoft.com/office/powerpoint/2010/main" val="3833779495"/>
+        <p14:creationId xmlns:p14="http://schemas.microsoft.com/office/powerpoint/2010/main" val="270187635"/>
       </p:ext>
     </p:extLst>
   </p:cSld>
@@ -5813,6 +6136,101 @@
           <p:cNvPr id="2" name="Title 1">
             <a:extLst>
               <a:ext uri="{FF2B5EF4-FFF2-40B4-BE49-F238E27FC236}">
+                <a16:creationId xmlns:a16="http://schemas.microsoft.com/office/drawing/2014/main" id="{AE46DF61-E0E3-4B00-83BF-473E7C73394E}"/>
+              </a:ext>
+            </a:extLst>
+          </p:cNvPr>
+          <p:cNvSpPr>
+            <a:spLocks noGrp="1"/>
+          </p:cNvSpPr>
+          <p:nvPr>
+            <p:ph type="title"/>
+          </p:nvPr>
+        </p:nvSpPr>
+        <p:spPr/>
+        <p:txBody>
+          <a:bodyPr/>
+          <a:lstStyle/>
+          <a:p>
+            <a:r>
+              <a:rPr lang="en-GB" dirty="0"/>
+              <a:t>How do I know which commands I can use</a:t>
+            </a:r>
+          </a:p>
+        </p:txBody>
+      </p:sp>
+      <p:sp>
+        <p:nvSpPr>
+          <p:cNvPr id="3" name="Content Placeholder 2">
+            <a:extLst>
+              <a:ext uri="{FF2B5EF4-FFF2-40B4-BE49-F238E27FC236}">
+                <a16:creationId xmlns:a16="http://schemas.microsoft.com/office/drawing/2014/main" id="{8D5BCDF7-8E44-49FE-B835-96FB02BC689E}"/>
+              </a:ext>
+            </a:extLst>
+          </p:cNvPr>
+          <p:cNvSpPr>
+            <a:spLocks noGrp="1"/>
+          </p:cNvSpPr>
+          <p:nvPr>
+            <p:ph idx="1"/>
+          </p:nvPr>
+        </p:nvSpPr>
+        <p:spPr/>
+        <p:txBody>
+          <a:bodyPr/>
+          <a:lstStyle/>
+          <a:p>
+            <a:r>
+              <a:rPr lang="en-GB" dirty="0"/>
+              <a:t>Double tap of [tab] reveals the available commands in your restricted environment as seen in the image. (If the environment is configured to display commands)</a:t>
+            </a:r>
+          </a:p>
+          <a:p>
+            <a:endParaRPr lang="en-GB" dirty="0"/>
+          </a:p>
+          <a:p>
+            <a:r>
+              <a:rPr lang="en-GB" dirty="0"/>
+              <a:t>If restricted shell is configured to not display commands you can use the beginning letter of each command followed by use of double tap of [tab] key.</a:t>
+            </a:r>
+          </a:p>
+        </p:txBody>
+      </p:sp>
+    </p:spTree>
+    <p:extLst>
+      <p:ext uri="{BB962C8B-B14F-4D97-AF65-F5344CB8AC3E}">
+        <p14:creationId xmlns:p14="http://schemas.microsoft.com/office/powerpoint/2010/main" val="3833779495"/>
+      </p:ext>
+    </p:extLst>
+  </p:cSld>
+  <p:clrMapOvr>
+    <a:masterClrMapping/>
+  </p:clrMapOvr>
+</p:sld>
+</file>
+
+<file path=ppt/slides/slide16.xml><?xml version="1.0" encoding="utf-8"?>
+<p:sld xmlns:a="http://schemas.openxmlformats.org/drawingml/2006/main" xmlns:r="http://schemas.openxmlformats.org/officeDocument/2006/relationships" xmlns:p="http://schemas.openxmlformats.org/presentationml/2006/main">
+  <p:cSld>
+    <p:spTree>
+      <p:nvGrpSpPr>
+        <p:cNvPr id="1" name=""/>
+        <p:cNvGrpSpPr/>
+        <p:nvPr/>
+      </p:nvGrpSpPr>
+      <p:grpSpPr>
+        <a:xfrm>
+          <a:off x="0" y="0"/>
+          <a:ext cx="0" cy="0"/>
+          <a:chOff x="0" y="0"/>
+          <a:chExt cx="0" cy="0"/>
+        </a:xfrm>
+      </p:grpSpPr>
+      <p:sp>
+        <p:nvSpPr>
+          <p:cNvPr id="2" name="Title 1">
+            <a:extLst>
+              <a:ext uri="{FF2B5EF4-FFF2-40B4-BE49-F238E27FC236}">
                 <a16:creationId xmlns:a16="http://schemas.microsoft.com/office/drawing/2014/main" id="{C885FCFB-1031-4056-AA9C-BA3ED24E13D0}"/>
               </a:ext>
             </a:extLst>
@@ -5903,6 +6321,503 @@
     <p:extLst>
       <p:ext uri="{BB962C8B-B14F-4D97-AF65-F5344CB8AC3E}">
         <p14:creationId xmlns:p14="http://schemas.microsoft.com/office/powerpoint/2010/main" val="1040485354"/>
+      </p:ext>
+    </p:extLst>
+  </p:cSld>
+  <p:clrMapOvr>
+    <a:masterClrMapping/>
+  </p:clrMapOvr>
+</p:sld>
+</file>
+
+<file path=ppt/slides/slide17.xml><?xml version="1.0" encoding="utf-8"?>
+<p:sld xmlns:a="http://schemas.openxmlformats.org/drawingml/2006/main" xmlns:r="http://schemas.openxmlformats.org/officeDocument/2006/relationships" xmlns:p="http://schemas.openxmlformats.org/presentationml/2006/main">
+  <p:cSld>
+    <p:bg>
+      <p:bgPr>
+        <a:solidFill>
+          <a:schemeClr val="bg1"/>
+        </a:solidFill>
+        <a:effectLst/>
+      </p:bgPr>
+    </p:bg>
+    <p:spTree>
+      <p:nvGrpSpPr>
+        <p:cNvPr id="1" name=""/>
+        <p:cNvGrpSpPr/>
+        <p:nvPr/>
+      </p:nvGrpSpPr>
+      <p:grpSpPr>
+        <a:xfrm>
+          <a:off x="0" y="0"/>
+          <a:ext cx="0" cy="0"/>
+          <a:chOff x="0" y="0"/>
+          <a:chExt cx="0" cy="0"/>
+        </a:xfrm>
+      </p:grpSpPr>
+      <p:cxnSp>
+        <p:nvCxnSpPr>
+          <p:cNvPr id="21" name="Straight Connector 20">
+            <a:extLst>
+              <a:ext uri="{FF2B5EF4-FFF2-40B4-BE49-F238E27FC236}">
+                <a16:creationId xmlns:a16="http://schemas.microsoft.com/office/drawing/2014/main" id="{F64F9B95-9045-48D2-B9F3-2927E98F54AA}"/>
+              </a:ext>
+              <a:ext uri="{C183D7F6-B498-43B3-948B-1728B52AA6E4}">
+                <adec:decorative xmlns:adec="http://schemas.microsoft.com/office/drawing/2017/decorative" val="1"/>
+              </a:ext>
+            </a:extLst>
+          </p:cNvPr>
+          <p:cNvCxnSpPr>
+            <a:cxnSpLocks noGrp="1" noRot="1" noChangeAspect="1" noMove="1" noResize="1" noEditPoints="1" noAdjustHandles="1" noChangeArrowheads="1" noChangeShapeType="1"/>
+          </p:cNvCxnSpPr>
+          <p:nvPr>
+            <p:extLst>
+              <p:ext uri="{386F3935-93C4-4BCD-93E2-E3B085C9AB24}">
+                <p16:designElem xmlns:p16="http://schemas.microsoft.com/office/powerpoint/2015/main" val="1"/>
+              </p:ext>
+            </p:extLst>
+          </p:nvPr>
+        </p:nvCxnSpPr>
+        <p:spPr>
+          <a:xfrm>
+            <a:off x="800100" y="723900"/>
+            <a:ext cx="10591800" cy="0"/>
+          </a:xfrm>
+          <a:prstGeom prst="line">
+            <a:avLst/>
+          </a:prstGeom>
+          <a:ln w="44450">
+            <a:solidFill>
+              <a:schemeClr val="tx1"/>
+            </a:solidFill>
+          </a:ln>
+        </p:spPr>
+        <p:style>
+          <a:lnRef idx="1">
+            <a:schemeClr val="accent1"/>
+          </a:lnRef>
+          <a:fillRef idx="0">
+            <a:schemeClr val="accent1"/>
+          </a:fillRef>
+          <a:effectRef idx="0">
+            <a:schemeClr val="accent1"/>
+          </a:effectRef>
+          <a:fontRef idx="minor">
+            <a:schemeClr val="tx1"/>
+          </a:fontRef>
+        </p:style>
+      </p:cxnSp>
+      <p:cxnSp>
+        <p:nvCxnSpPr>
+          <p:cNvPr id="23" name="Straight Connector 22">
+            <a:extLst>
+              <a:ext uri="{FF2B5EF4-FFF2-40B4-BE49-F238E27FC236}">
+                <a16:creationId xmlns:a16="http://schemas.microsoft.com/office/drawing/2014/main" id="{085AA86F-6A4D-4BCB-A045-D992CDC2959B}"/>
+              </a:ext>
+              <a:ext uri="{C183D7F6-B498-43B3-948B-1728B52AA6E4}">
+                <adec:decorative xmlns:adec="http://schemas.microsoft.com/office/drawing/2017/decorative" val="1"/>
+              </a:ext>
+            </a:extLst>
+          </p:cNvPr>
+          <p:cNvCxnSpPr>
+            <a:cxnSpLocks noGrp="1" noRot="1" noChangeAspect="1" noMove="1" noResize="1" noEditPoints="1" noAdjustHandles="1" noChangeArrowheads="1" noChangeShapeType="1"/>
+          </p:cNvCxnSpPr>
+          <p:nvPr>
+            <p:extLst>
+              <p:ext uri="{386F3935-93C4-4BCD-93E2-E3B085C9AB24}">
+                <p16:designElem xmlns:p16="http://schemas.microsoft.com/office/powerpoint/2015/main" val="1"/>
+              </p:ext>
+            </p:extLst>
+          </p:nvPr>
+        </p:nvCxnSpPr>
+        <p:spPr>
+          <a:xfrm>
+            <a:off x="800100" y="6142781"/>
+            <a:ext cx="10591800" cy="0"/>
+          </a:xfrm>
+          <a:prstGeom prst="line">
+            <a:avLst/>
+          </a:prstGeom>
+          <a:ln w="12700">
+            <a:solidFill>
+              <a:schemeClr val="tx1"/>
+            </a:solidFill>
+          </a:ln>
+        </p:spPr>
+        <p:style>
+          <a:lnRef idx="1">
+            <a:schemeClr val="accent1"/>
+          </a:lnRef>
+          <a:fillRef idx="0">
+            <a:schemeClr val="accent1"/>
+          </a:fillRef>
+          <a:effectRef idx="0">
+            <a:schemeClr val="accent1"/>
+          </a:effectRef>
+          <a:fontRef idx="minor">
+            <a:schemeClr val="tx1"/>
+          </a:fontRef>
+        </p:style>
+      </p:cxnSp>
+      <p:sp useBgFill="1">
+        <p:nvSpPr>
+          <p:cNvPr id="25" name="Rectangle 24">
+            <a:extLst>
+              <a:ext uri="{FF2B5EF4-FFF2-40B4-BE49-F238E27FC236}">
+                <a16:creationId xmlns:a16="http://schemas.microsoft.com/office/drawing/2014/main" id="{33E93247-6229-44AB-A550-739E971E690B}"/>
+              </a:ext>
+              <a:ext uri="{C183D7F6-B498-43B3-948B-1728B52AA6E4}">
+                <adec:decorative xmlns:adec="http://schemas.microsoft.com/office/drawing/2017/decorative" val="1"/>
+              </a:ext>
+            </a:extLst>
+          </p:cNvPr>
+          <p:cNvSpPr>
+            <a:spLocks noGrp="1" noRot="1" noChangeAspect="1" noMove="1" noResize="1" noEditPoints="1" noAdjustHandles="1" noChangeArrowheads="1" noChangeShapeType="1" noTextEdit="1"/>
+          </p:cNvSpPr>
+          <p:nvPr>
+            <p:extLst>
+              <p:ext uri="{386F3935-93C4-4BCD-93E2-E3B085C9AB24}">
+                <p16:designElem xmlns:p16="http://schemas.microsoft.com/office/powerpoint/2015/main" val="1"/>
+              </p:ext>
+            </p:extLst>
+          </p:nvPr>
+        </p:nvSpPr>
+        <p:spPr>
+          <a:xfrm>
+            <a:off x="0" y="0"/>
+            <a:ext cx="12192000" cy="6858000"/>
+          </a:xfrm>
+          <a:prstGeom prst="rect">
+            <a:avLst/>
+          </a:prstGeom>
+          <a:ln w="12700" cap="flat" cmpd="sng" algn="ctr">
+            <a:noFill/>
+            <a:prstDash val="solid"/>
+            <a:miter lim="800000"/>
+          </a:ln>
+          <a:effectLst/>
+          <a:extLst>
+            <a:ext uri="{91240B29-F687-4F45-9708-019B960494DF}">
+              <a14:hiddenLine xmlns:a14="http://schemas.microsoft.com/office/drawing/2010/main" w="12700" cap="flat" cmpd="sng" algn="ctr">
+                <a:solidFill>
+                  <a:schemeClr val="accent1">
+                    <a:shade val="50000"/>
+                  </a:schemeClr>
+                </a:solidFill>
+                <a:prstDash val="solid"/>
+                <a:miter lim="800000"/>
+              </a14:hiddenLine>
+            </a:ext>
+          </a:extLst>
+        </p:spPr>
+        <p:style>
+          <a:lnRef idx="2">
+            <a:schemeClr val="accent1">
+              <a:shade val="50000"/>
+            </a:schemeClr>
+          </a:lnRef>
+          <a:fillRef idx="1">
+            <a:schemeClr val="accent1"/>
+          </a:fillRef>
+          <a:effectRef idx="0">
+            <a:schemeClr val="accent1"/>
+          </a:effectRef>
+          <a:fontRef idx="minor">
+            <a:schemeClr val="lt1"/>
+          </a:fontRef>
+        </p:style>
+        <p:txBody>
+          <a:bodyPr rtlCol="0" anchor="ctr"/>
+          <a:lstStyle/>
+          <a:p>
+            <a:pPr algn="ctr"/>
+            <a:endParaRPr lang="en-US"/>
+          </a:p>
+        </p:txBody>
+      </p:sp>
+      <p:sp>
+        <p:nvSpPr>
+          <p:cNvPr id="2" name="Title 1">
+            <a:extLst>
+              <a:ext uri="{FF2B5EF4-FFF2-40B4-BE49-F238E27FC236}">
+                <a16:creationId xmlns:a16="http://schemas.microsoft.com/office/drawing/2014/main" id="{A215932B-C12B-4FDC-B3FC-1C5756AD9471}"/>
+              </a:ext>
+            </a:extLst>
+          </p:cNvPr>
+          <p:cNvSpPr>
+            <a:spLocks noGrp="1"/>
+          </p:cNvSpPr>
+          <p:nvPr>
+            <p:ph type="title"/>
+          </p:nvPr>
+        </p:nvSpPr>
+        <p:spPr>
+          <a:xfrm>
+            <a:off x="669852" y="870596"/>
+            <a:ext cx="10722048" cy="3747820"/>
+          </a:xfrm>
+        </p:spPr>
+        <p:txBody>
+          <a:bodyPr vert="horz" lIns="91440" tIns="45720" rIns="91440" bIns="45720" rtlCol="0" anchor="t">
+            <a:normAutofit/>
+          </a:bodyPr>
+          <a:lstStyle/>
+          <a:p>
+            <a:pPr algn="ctr"/>
+            <a:r>
+              <a:rPr lang="en-US" sz="5400" dirty="0"/>
+              <a:t>Questions</a:t>
+            </a:r>
+          </a:p>
+        </p:txBody>
+      </p:sp>
+      <p:cxnSp>
+        <p:nvCxnSpPr>
+          <p:cNvPr id="27" name="Straight Connector 26">
+            <a:extLst>
+              <a:ext uri="{FF2B5EF4-FFF2-40B4-BE49-F238E27FC236}">
+                <a16:creationId xmlns:a16="http://schemas.microsoft.com/office/drawing/2014/main" id="{EE2E603F-4A95-4FE8-BB06-211DFD75DBEF}"/>
+              </a:ext>
+              <a:ext uri="{C183D7F6-B498-43B3-948B-1728B52AA6E4}">
+                <adec:decorative xmlns:adec="http://schemas.microsoft.com/office/drawing/2017/decorative" val="1"/>
+              </a:ext>
+            </a:extLst>
+          </p:cNvPr>
+          <p:cNvCxnSpPr>
+            <a:cxnSpLocks noGrp="1" noRot="1" noChangeAspect="1" noMove="1" noResize="1" noEditPoints="1" noAdjustHandles="1" noChangeArrowheads="1" noChangeShapeType="1"/>
+          </p:cNvCxnSpPr>
+          <p:nvPr>
+            <p:extLst>
+              <p:ext uri="{386F3935-93C4-4BCD-93E2-E3B085C9AB24}">
+                <p16:designElem xmlns:p16="http://schemas.microsoft.com/office/powerpoint/2015/main" val="1"/>
+              </p:ext>
+            </p:extLst>
+          </p:nvPr>
+        </p:nvCxnSpPr>
+        <p:spPr>
+          <a:xfrm>
+            <a:off x="800100" y="723900"/>
+            <a:ext cx="10591800" cy="0"/>
+          </a:xfrm>
+          <a:prstGeom prst="line">
+            <a:avLst/>
+          </a:prstGeom>
+          <a:ln w="44450">
+            <a:solidFill>
+              <a:schemeClr val="tx1"/>
+            </a:solidFill>
+          </a:ln>
+        </p:spPr>
+        <p:style>
+          <a:lnRef idx="1">
+            <a:schemeClr val="accent1"/>
+          </a:lnRef>
+          <a:fillRef idx="0">
+            <a:schemeClr val="accent1"/>
+          </a:fillRef>
+          <a:effectRef idx="0">
+            <a:schemeClr val="accent1"/>
+          </a:effectRef>
+          <a:fontRef idx="minor">
+            <a:schemeClr val="tx1"/>
+          </a:fontRef>
+        </p:style>
+      </p:cxnSp>
+      <p:pic>
+        <p:nvPicPr>
+          <p:cNvPr id="7" name="Graphic 6" descr="Help">
+            <a:extLst>
+              <a:ext uri="{FF2B5EF4-FFF2-40B4-BE49-F238E27FC236}">
+                <a16:creationId xmlns:a16="http://schemas.microsoft.com/office/drawing/2014/main" id="{12A83E0B-06F2-4934-BC23-1B70BA702FF4}"/>
+              </a:ext>
+            </a:extLst>
+          </p:cNvPr>
+          <p:cNvPicPr>
+            <a:picLocks noChangeAspect="1"/>
+          </p:cNvPicPr>
+          <p:nvPr/>
+        </p:nvPicPr>
+        <p:blipFill>
+          <a:blip r:embed="rId2">
+            <a:extLst>
+              <a:ext uri="{28A0092B-C50C-407E-A947-70E740481C1C}">
+                <a14:useLocalDpi xmlns:a14="http://schemas.microsoft.com/office/drawing/2010/main" val="0"/>
+              </a:ext>
+              <a:ext uri="{96DAC541-7B7A-43D3-8B79-37D633B846F1}">
+                <asvg:svgBlip xmlns:asvg="http://schemas.microsoft.com/office/drawing/2016/SVG/main" r:embed="rId3"/>
+              </a:ext>
+            </a:extLst>
+          </a:blip>
+          <a:stretch>
+            <a:fillRect/>
+          </a:stretch>
+        </p:blipFill>
+        <p:spPr>
+          <a:xfrm>
+            <a:off x="3668677" y="1729740"/>
+            <a:ext cx="4724398" cy="4724398"/>
+          </a:xfrm>
+          <a:prstGeom prst="rect">
+            <a:avLst/>
+          </a:prstGeom>
+        </p:spPr>
+      </p:pic>
+      <p:cxnSp>
+        <p:nvCxnSpPr>
+          <p:cNvPr id="29" name="Straight Connector 28">
+            <a:extLst>
+              <a:ext uri="{FF2B5EF4-FFF2-40B4-BE49-F238E27FC236}">
+                <a16:creationId xmlns:a16="http://schemas.microsoft.com/office/drawing/2014/main" id="{D7CC41EB-2D81-4303-9171-6401B388BA35}"/>
+              </a:ext>
+              <a:ext uri="{C183D7F6-B498-43B3-948B-1728B52AA6E4}">
+                <adec:decorative xmlns:adec="http://schemas.microsoft.com/office/drawing/2017/decorative" val="1"/>
+              </a:ext>
+            </a:extLst>
+          </p:cNvPr>
+          <p:cNvCxnSpPr>
+            <a:cxnSpLocks noGrp="1" noRot="1" noChangeAspect="1" noMove="1" noResize="1" noEditPoints="1" noAdjustHandles="1" noChangeArrowheads="1" noChangeShapeType="1"/>
+          </p:cNvCxnSpPr>
+          <p:nvPr>
+            <p:extLst>
+              <p:ext uri="{386F3935-93C4-4BCD-93E2-E3B085C9AB24}">
+                <p16:designElem xmlns:p16="http://schemas.microsoft.com/office/powerpoint/2015/main" val="1"/>
+              </p:ext>
+            </p:extLst>
+          </p:nvPr>
+        </p:nvCxnSpPr>
+        <p:spPr>
+          <a:xfrm>
+            <a:off x="800100" y="6134885"/>
+            <a:ext cx="10591800" cy="0"/>
+          </a:xfrm>
+          <a:prstGeom prst="line">
+            <a:avLst/>
+          </a:prstGeom>
+          <a:ln w="12700">
+            <a:solidFill>
+              <a:schemeClr val="tx1"/>
+            </a:solidFill>
+          </a:ln>
+        </p:spPr>
+        <p:style>
+          <a:lnRef idx="1">
+            <a:schemeClr val="accent1"/>
+          </a:lnRef>
+          <a:fillRef idx="0">
+            <a:schemeClr val="accent1"/>
+          </a:fillRef>
+          <a:effectRef idx="0">
+            <a:schemeClr val="accent1"/>
+          </a:effectRef>
+          <a:fontRef idx="minor">
+            <a:schemeClr val="tx1"/>
+          </a:fontRef>
+        </p:style>
+      </p:cxnSp>
+    </p:spTree>
+    <p:extLst>
+      <p:ext uri="{BB962C8B-B14F-4D97-AF65-F5344CB8AC3E}">
+        <p14:creationId xmlns:p14="http://schemas.microsoft.com/office/powerpoint/2010/main" val="399522006"/>
+      </p:ext>
+    </p:extLst>
+  </p:cSld>
+  <p:clrMapOvr>
+    <a:masterClrMapping/>
+  </p:clrMapOvr>
+</p:sld>
+</file>
+
+<file path=ppt/slides/slide18.xml><?xml version="1.0" encoding="utf-8"?>
+<p:sld xmlns:a="http://schemas.openxmlformats.org/drawingml/2006/main" xmlns:r="http://schemas.openxmlformats.org/officeDocument/2006/relationships" xmlns:p="http://schemas.openxmlformats.org/presentationml/2006/main">
+  <p:cSld>
+    <p:spTree>
+      <p:nvGrpSpPr>
+        <p:cNvPr id="1" name=""/>
+        <p:cNvGrpSpPr/>
+        <p:nvPr/>
+      </p:nvGrpSpPr>
+      <p:grpSpPr>
+        <a:xfrm>
+          <a:off x="0" y="0"/>
+          <a:ext cx="0" cy="0"/>
+          <a:chOff x="0" y="0"/>
+          <a:chExt cx="0" cy="0"/>
+        </a:xfrm>
+      </p:grpSpPr>
+      <p:sp>
+        <p:nvSpPr>
+          <p:cNvPr id="2" name="Title 1">
+            <a:extLst>
+              <a:ext uri="{FF2B5EF4-FFF2-40B4-BE49-F238E27FC236}">
+                <a16:creationId xmlns:a16="http://schemas.microsoft.com/office/drawing/2014/main" id="{067E6C3C-2890-4717-AA55-42931B76B0C2}"/>
+              </a:ext>
+            </a:extLst>
+          </p:cNvPr>
+          <p:cNvSpPr>
+            <a:spLocks noGrp="1"/>
+          </p:cNvSpPr>
+          <p:nvPr>
+            <p:ph type="title"/>
+          </p:nvPr>
+        </p:nvSpPr>
+        <p:spPr/>
+        <p:txBody>
+          <a:bodyPr/>
+          <a:lstStyle/>
+          <a:p>
+            <a:pPr algn="ctr"/>
+            <a:r>
+              <a:rPr lang="en-GB" dirty="0"/>
+              <a:t>Thank you</a:t>
+            </a:r>
+          </a:p>
+        </p:txBody>
+      </p:sp>
+      <p:sp>
+        <p:nvSpPr>
+          <p:cNvPr id="3" name="Content Placeholder 2">
+            <a:extLst>
+              <a:ext uri="{FF2B5EF4-FFF2-40B4-BE49-F238E27FC236}">
+                <a16:creationId xmlns:a16="http://schemas.microsoft.com/office/drawing/2014/main" id="{8C711BDC-64BB-4134-B3CB-72B0662E5273}"/>
+              </a:ext>
+            </a:extLst>
+          </p:cNvPr>
+          <p:cNvSpPr>
+            <a:spLocks noGrp="1"/>
+          </p:cNvSpPr>
+          <p:nvPr>
+            <p:ph idx="1"/>
+          </p:nvPr>
+        </p:nvSpPr>
+        <p:spPr/>
+        <p:txBody>
+          <a:bodyPr/>
+          <a:lstStyle/>
+          <a:p>
+            <a:r>
+              <a:rPr lang="en-GB" dirty="0"/>
+              <a:t>Instructor: Aqeeb Hussain</a:t>
+            </a:r>
+          </a:p>
+          <a:p>
+            <a:r>
+              <a:rPr lang="en-GB" dirty="0"/>
+              <a:t>GitHub: </a:t>
+            </a:r>
+            <a:r>
+              <a:rPr lang="en-GB" dirty="0">
+                <a:hlinkClick r:id="rId2"/>
+              </a:rPr>
+              <a:t>https://github.com/aqeebhussain122</a:t>
+            </a:r>
+            <a:endParaRPr lang="en-GB" dirty="0"/>
+          </a:p>
+        </p:txBody>
+      </p:sp>
+    </p:spTree>
+    <p:extLst>
+      <p:ext uri="{BB962C8B-B14F-4D97-AF65-F5344CB8AC3E}">
+        <p14:creationId xmlns:p14="http://schemas.microsoft.com/office/powerpoint/2010/main" val="956933634"/>
       </p:ext>
     </p:extLst>
   </p:cSld>
@@ -5990,7 +6905,7 @@
           <a:p>
             <a:r>
               <a:rPr lang="en-GB" dirty="0"/>
-              <a:t>A usual shell just like bash however contains less functionality</a:t>
+              <a:t>A usual shell just like bash however contains less functionality to contain a user further.</a:t>
             </a:r>
           </a:p>
           <a:p>
@@ -6983,7 +7898,24 @@
             </a:r>
             <a:r>
               <a:rPr lang="en-GB" dirty="0"/>
-              <a:t> environment, you’re able to write to the file.</a:t>
+              <a:t> environment, you’re able to write to the file</a:t>
+            </a:r>
+          </a:p>
+          <a:p>
+            <a:endParaRPr lang="en-GB" dirty="0"/>
+          </a:p>
+          <a:p>
+            <a:r>
+              <a:rPr lang="en-GB" dirty="0"/>
+              <a:t>If GDB is an available command, we can easily spawn a bash shell escaping the </a:t>
+            </a:r>
+            <a:r>
+              <a:rPr lang="en-GB" dirty="0" err="1"/>
+              <a:t>rbash</a:t>
+            </a:r>
+            <a:r>
+              <a:rPr lang="en-GB" dirty="0"/>
+              <a:t> instance.</a:t>
             </a:r>
           </a:p>
           <a:p>
